--- a/proj6_release/proj6_template.pptx
+++ b/proj6_release/proj6_template.pptx
@@ -232,7 +232,7 @@
           <a:p>
             <a:fld id="{C8C8B6D8-15EE-421F-A000-F7DE0AC0DA76}" type="datetimeFigureOut">
               <a:rPr lang="en-US" smtClean="0"/>
-              <a:t>11/21/21</a:t>
+              <a:t>12/7/21</a:t>
             </a:fld>
             <a:endParaRPr lang="en-US"/>
           </a:p>
@@ -4706,16 +4706,16 @@
               </a:lnSpc>
             </a:pPr>
             <a:r>
-              <a:rPr lang="en-US" sz="2800" b="0" strike="noStrike" spc="-1">
+              <a:rPr lang="en-US" sz="2800" b="0" strike="noStrike" spc="-1" dirty="0">
                 <a:solidFill>
                   <a:srgbClr val="595959"/>
                 </a:solidFill>
                 <a:latin typeface="Arial"/>
                 <a:ea typeface="Arial"/>
               </a:rPr>
-              <a:t>Name</a:t>
-            </a:r>
-            <a:endParaRPr lang="en-US" sz="2800" b="0" strike="noStrike" spc="-1">
+              <a:t>Aaron Lopes</a:t>
+            </a:r>
+            <a:endParaRPr lang="en-US" sz="2800" b="0" strike="noStrike" spc="-1" dirty="0">
               <a:latin typeface="Arial"/>
             </a:endParaRPr>
           </a:p>
@@ -4726,16 +4726,16 @@
               </a:lnSpc>
             </a:pPr>
             <a:r>
-              <a:rPr lang="en-US" sz="2800" b="0" strike="noStrike" spc="-1">
+              <a:rPr lang="en-US" sz="2800" b="0" strike="noStrike" spc="-1" dirty="0" err="1">
                 <a:solidFill>
                   <a:srgbClr val="595959"/>
                 </a:solidFill>
                 <a:latin typeface="Arial"/>
                 <a:ea typeface="Arial"/>
               </a:rPr>
-              <a:t>GT Email</a:t>
-            </a:r>
-            <a:endParaRPr lang="en-US" sz="2800" b="0" strike="noStrike" spc="-1">
+              <a:t>alopes@gatech.edu</a:t>
+            </a:r>
+            <a:endParaRPr lang="en-US" sz="2800" b="0" strike="noStrike" spc="-1" dirty="0">
               <a:latin typeface="Arial"/>
             </a:endParaRPr>
           </a:p>
@@ -4746,16 +4746,16 @@
               </a:lnSpc>
             </a:pPr>
             <a:r>
-              <a:rPr lang="en-US" sz="2800" b="0" strike="noStrike" spc="-1">
+              <a:rPr lang="en-US" sz="2800" b="0" strike="noStrike" spc="-1" dirty="0">
                 <a:solidFill>
                   <a:srgbClr val="595959"/>
                 </a:solidFill>
                 <a:latin typeface="Arial"/>
                 <a:ea typeface="Arial"/>
               </a:rPr>
-              <a:t>GT ID</a:t>
-            </a:r>
-            <a:endParaRPr lang="en-US" sz="2800" b="0" strike="noStrike" spc="-1">
+              <a:t>903407727</a:t>
+            </a:r>
+            <a:endParaRPr lang="en-US" sz="2800" b="0" strike="noStrike" spc="-1" dirty="0">
               <a:latin typeface="Arial"/>
             </a:endParaRPr>
           </a:p>
@@ -4765,7 +4765,7 @@
                 <a:spcPct val="100000"/>
               </a:lnSpc>
             </a:pPr>
-            <a:endParaRPr lang="en-US" sz="2800" b="0" strike="noStrike" spc="-1">
+            <a:endParaRPr lang="en-US" sz="2800" b="0" strike="noStrike" spc="-1" dirty="0">
               <a:latin typeface="Arial"/>
             </a:endParaRPr>
           </a:p>
@@ -10674,6 +10674,42 @@
           </a:p>
         </p:txBody>
       </p:sp>
+      <p:pic>
+        <p:nvPicPr>
+          <p:cNvPr id="5" name="Picture 4" descr="Text&#10;&#10;Description automatically generated">
+            <a:extLst>
+              <a:ext uri="{FF2B5EF4-FFF2-40B4-BE49-F238E27FC236}">
+                <a16:creationId xmlns:a16="http://schemas.microsoft.com/office/drawing/2014/main" id="{E48CADAB-C335-684D-B9C1-5935EE9A0DA8}"/>
+              </a:ext>
+            </a:extLst>
+          </p:cNvPr>
+          <p:cNvPicPr>
+            <a:picLocks noChangeAspect="1"/>
+          </p:cNvPicPr>
+          <p:nvPr/>
+        </p:nvPicPr>
+        <p:blipFill>
+          <a:blip r:embed="rId2">
+            <a:extLst>
+              <a:ext uri="{28A0092B-C50C-407E-A947-70E740481C1C}">
+                <a14:useLocalDpi xmlns:a14="http://schemas.microsoft.com/office/drawing/2010/main" val="0"/>
+              </a:ext>
+            </a:extLst>
+          </a:blip>
+          <a:stretch>
+            <a:fillRect/>
+          </a:stretch>
+        </p:blipFill>
+        <p:spPr>
+          <a:xfrm>
+            <a:off x="1879600" y="2070100"/>
+            <a:ext cx="5384800" cy="1003300"/>
+          </a:xfrm>
+          <a:prstGeom prst="rect">
+            <a:avLst/>
+          </a:prstGeom>
+        </p:spPr>
+      </p:pic>
     </p:spTree>
     <p:extLst>
       <p:ext uri="{BB962C8B-B14F-4D97-AF65-F5344CB8AC3E}">
@@ -11554,7 +11590,7 @@
         <p:spPr>
           <a:xfrm>
             <a:off x="359229" y="922564"/>
-            <a:ext cx="8569618" cy="738664"/>
+            <a:ext cx="8569618" cy="2462213"/>
           </a:xfrm>
           <a:prstGeom prst="rect">
             <a:avLst/>
@@ -11719,19 +11755,56 @@
             </a:r>
           </a:p>
           <a:p>
-            <a:r>
-              <a:rPr lang="en-US" sz="1400" spc="-1" dirty="0">
-                <a:solidFill>
-                  <a:srgbClr val="595959"/>
-                </a:solidFill>
-                <a:ea typeface="Arial"/>
-              </a:rPr>
-              <a:t>&lt;text answer here&gt;</a:t>
-            </a:r>
             <a:endParaRPr lang="en-US" sz="1400" spc="-1" dirty="0">
               <a:solidFill>
                 <a:srgbClr val="000000"/>
               </a:solidFill>
+              <a:latin typeface="Arial"/>
+            </a:endParaRPr>
+          </a:p>
+          <a:p>
+            <a:r>
+              <a:rPr lang="en-US" sz="1400" spc="-1" dirty="0">
+                <a:solidFill>
+                  <a:srgbClr val="000000"/>
+                </a:solidFill>
+                <a:latin typeface="Arial"/>
+              </a:rPr>
+              <a:t>The </a:t>
+            </a:r>
+            <a:r>
+              <a:rPr lang="en-US" sz="1400" spc="-1" dirty="0" err="1">
+                <a:solidFill>
+                  <a:srgbClr val="000000"/>
+                </a:solidFill>
+                <a:latin typeface="Arial"/>
+              </a:rPr>
+              <a:t>Objectron</a:t>
+            </a:r>
+            <a:r>
+              <a:rPr lang="en-US" sz="1400" spc="-1" dirty="0">
+                <a:solidFill>
+                  <a:srgbClr val="000000"/>
+                </a:solidFill>
+                <a:latin typeface="Arial"/>
+              </a:rPr>
+              <a:t> detection uses pose estimation and is improved on by shape supervision to draw a bounding box around an object. This object is recognized by providing the model with predetermined corresponding weights. The pipeline itself uses an encoder-decoder architecture. The encoder takes an input image of size 640 x 480 x 3. This data is passed through a convolutional layer, five levels of inverted residual blocks, and four 128-channel blocks at the bottleneck. The decoder is a deconvolution layer, a concatenation layer with skip connections, and two inverted residual blocks. </a:t>
+            </a:r>
+          </a:p>
+          <a:p>
+            <a:endParaRPr lang="en-US" sz="1400" spc="-1" dirty="0">
+              <a:solidFill>
+                <a:srgbClr val="000000"/>
+              </a:solidFill>
+              <a:latin typeface="Arial"/>
+            </a:endParaRPr>
+          </a:p>
+          <a:p>
+            <a:endParaRPr lang="en-US" sz="1400" spc="-1" dirty="0">
+              <a:solidFill>
+                <a:srgbClr val="000000"/>
+              </a:solidFill>
+              <a:latin typeface="Arial"/>
             </a:endParaRPr>
           </a:p>
         </p:txBody>
@@ -11899,59 +11972,14 @@
               </a:spcBef>
             </a:pPr>
             <a:r>
-              <a:rPr lang="en-US" sz="1400" spc="-1" dirty="0">
-                <a:solidFill>
-                  <a:srgbClr val="595959"/>
-                </a:solidFill>
-                <a:ea typeface="Arial"/>
-              </a:rPr>
-              <a:t>&lt;text answer here&gt;</a:t>
-            </a:r>
-            <a:endParaRPr lang="en-US" sz="1400" spc="-1" dirty="0">
-              <a:solidFill>
-                <a:srgbClr val="000000"/>
-              </a:solidFill>
-            </a:endParaRPr>
-          </a:p>
-          <a:p>
-            <a:pPr>
-              <a:lnSpc>
-                <a:spcPct val="115000"/>
-              </a:lnSpc>
-              <a:spcBef>
-                <a:spcPts val="1599"/>
-              </a:spcBef>
-            </a:pPr>
-            <a:endParaRPr lang="en-US" sz="1400" strike="noStrike" spc="-1" dirty="0">
-              <a:solidFill>
-                <a:srgbClr val="000000"/>
-              </a:solidFill>
-              <a:latin typeface="Arial"/>
-              <a:cs typeface="Arial"/>
-            </a:endParaRPr>
-          </a:p>
-          <a:p>
-            <a:pPr>
-              <a:lnSpc>
-                <a:spcPct val="115000"/>
-              </a:lnSpc>
-              <a:spcBef>
-                <a:spcPts val="1599"/>
-              </a:spcBef>
-            </a:pPr>
-            <a:endParaRPr lang="en-US" sz="1400" b="0" strike="noStrike" spc="-1" dirty="0">
-              <a:latin typeface="Arial"/>
-            </a:endParaRPr>
-          </a:p>
-          <a:p>
-            <a:pPr>
-              <a:lnSpc>
-                <a:spcPct val="115000"/>
-              </a:lnSpc>
-              <a:spcBef>
-                <a:spcPts val="1599"/>
-              </a:spcBef>
-            </a:pPr>
+              <a:rPr lang="en-US" sz="1400" b="0" strike="noStrike" spc="-1" dirty="0">
+                <a:solidFill>
+                  <a:srgbClr val="000000"/>
+                </a:solidFill>
+                <a:latin typeface="Arial"/>
+              </a:rPr>
+              <a:t>Yes</a:t>
+            </a:r>
             <a:endParaRPr lang="en-US" sz="1400" b="0" strike="noStrike" spc="-1" dirty="0">
               <a:latin typeface="Arial"/>
             </a:endParaRPr>
@@ -12262,8 +12290,63 @@
                 <a:spcPts val="1599"/>
               </a:spcBef>
             </a:pPr>
-            <a:endParaRPr lang="en-US" sz="1400" b="0" strike="noStrike" spc="-1" dirty="0">
-              <a:latin typeface="Arial"/>
+            <a:r>
+              <a:rPr lang="en-US" sz="1400" b="0" strike="noStrike" spc="-1" dirty="0">
+                <a:latin typeface="Arial"/>
+              </a:rPr>
+              <a:t>Pose detection leverages 2D-3D correspondences.</a:t>
+            </a:r>
+            <a:r>
+              <a:rPr lang="en-US" sz="1400" spc="-1" dirty="0">
+                <a:latin typeface="Arial"/>
+              </a:rPr>
+              <a:t> </a:t>
+            </a:r>
+            <a:r>
+              <a:rPr lang="en-US" sz="1400" spc="-1" dirty="0">
+                <a:solidFill>
+                  <a:srgbClr val="000000"/>
+                </a:solidFill>
+                <a:latin typeface="Arial"/>
+              </a:rPr>
+              <a:t>T</a:t>
+            </a:r>
+            <a:r>
+              <a:rPr lang="en-US" sz="1400" spc="-1" dirty="0">
+                <a:solidFill>
+                  <a:srgbClr val="000000"/>
+                </a:solidFill>
+              </a:rPr>
+              <a:t>he objects rotation, translation and size can be determined via cheap operations in post processing</a:t>
+            </a:r>
+            <a:r>
+              <a:rPr lang="en-US" sz="1400" spc="-1">
+                <a:solidFill>
+                  <a:srgbClr val="000000"/>
+                </a:solidFill>
+              </a:rPr>
+              <a:t>. </a:t>
+            </a:r>
+            <a:endParaRPr lang="en-US" sz="1400" spc="-1" dirty="0">
+              <a:solidFill>
+                <a:srgbClr val="000000"/>
+              </a:solidFill>
+            </a:endParaRPr>
+          </a:p>
+          <a:p>
+            <a:pPr>
+              <a:lnSpc>
+                <a:spcPct val="115000"/>
+              </a:lnSpc>
+              <a:spcBef>
+                <a:spcPts val="1599"/>
+              </a:spcBef>
+            </a:pPr>
+            <a:endParaRPr lang="en-US" sz="1400" spc="-1" dirty="0">
+              <a:solidFill>
+                <a:srgbClr val="000000"/>
+              </a:solidFill>
+              <a:cs typeface="Arial"/>
             </a:endParaRPr>
           </a:p>
           <a:p>
@@ -12603,15 +12686,6 @@
             </a:r>
           </a:p>
           <a:p>
-            <a:r>
-              <a:rPr lang="en-US" sz="1400" spc="-1" dirty="0">
-                <a:solidFill>
-                  <a:srgbClr val="595959"/>
-                </a:solidFill>
-                <a:ea typeface="Arial"/>
-              </a:rPr>
-              <a:t>&lt;text answer here&gt;</a:t>
-            </a:r>
             <a:endParaRPr lang="en-US" sz="1400" spc="-1" dirty="0">
               <a:solidFill>
                 <a:srgbClr val="000000"/>
